--- a/Presentacion final.pptx
+++ b/Presentacion final.pptx
@@ -5,7 +5,7 @@
     <p:sldMasterId id="2147483687" r:id="rId1"/>
   </p:sldMasterIdLst>
   <p:notesMasterIdLst>
-    <p:notesMasterId r:id="rId53"/>
+    <p:notesMasterId r:id="rId55"/>
   </p:notesMasterIdLst>
   <p:sldIdLst>
     <p:sldId id="256" r:id="rId2"/>
@@ -49,29 +49,31 @@
     <p:sldId id="313" r:id="rId40"/>
     <p:sldId id="332" r:id="rId41"/>
     <p:sldId id="333" r:id="rId42"/>
-    <p:sldId id="324" r:id="rId43"/>
-    <p:sldId id="327" r:id="rId44"/>
-    <p:sldId id="278" r:id="rId45"/>
-    <p:sldId id="326" r:id="rId46"/>
-    <p:sldId id="325" r:id="rId47"/>
-    <p:sldId id="328" r:id="rId48"/>
-    <p:sldId id="330" r:id="rId49"/>
-    <p:sldId id="329" r:id="rId50"/>
-    <p:sldId id="331" r:id="rId51"/>
-    <p:sldId id="322" r:id="rId52"/>
+    <p:sldId id="327" r:id="rId43"/>
+    <p:sldId id="339" r:id="rId44"/>
+    <p:sldId id="324" r:id="rId45"/>
+    <p:sldId id="338" r:id="rId46"/>
+    <p:sldId id="278" r:id="rId47"/>
+    <p:sldId id="326" r:id="rId48"/>
+    <p:sldId id="325" r:id="rId49"/>
+    <p:sldId id="328" r:id="rId50"/>
+    <p:sldId id="330" r:id="rId51"/>
+    <p:sldId id="329" r:id="rId52"/>
+    <p:sldId id="331" r:id="rId53"/>
+    <p:sldId id="322" r:id="rId54"/>
   </p:sldIdLst>
   <p:sldSz cx="9144000" cy="5143500" type="screen16x9"/>
   <p:notesSz cx="6858000" cy="9144000"/>
   <p:embeddedFontLst>
     <p:embeddedFont>
       <p:font typeface="Baloo 2" panose="020B0604020202020204" charset="0"/>
-      <p:regular r:id="rId54"/>
-      <p:bold r:id="rId55"/>
+      <p:regular r:id="rId56"/>
+      <p:bold r:id="rId57"/>
     </p:embeddedFont>
     <p:embeddedFont>
       <p:font typeface="El Messiri" panose="020B0604020202020204" charset="-78"/>
-      <p:regular r:id="rId56"/>
-      <p:bold r:id="rId57"/>
+      <p:regular r:id="rId58"/>
+      <p:bold r:id="rId59"/>
     </p:embeddedFont>
   </p:embeddedFontLst>
   <p:defaultTextStyle>
@@ -26054,11 +26056,7 @@
             </a:pPr>
             <a:r>
               <a:rPr lang="es-PE" dirty="0"/>
-              <a:t>Pila, Cola y </a:t>
-            </a:r>
-            <a:r>
-              <a:rPr lang="es-PE" dirty="0" err="1"/>
-              <a:t>Bicola</a:t>
+              <a:t>Pila, Cola y Bicola</a:t>
             </a:r>
             <a:endParaRPr dirty="0"/>
           </a:p>
@@ -31737,7 +31735,7 @@
           <a:p>
             <a:r>
               <a:rPr lang="es-PE" dirty="0"/>
-              <a:t>Este programa </a:t>
+              <a:t>Este programa nos ayudará a entender el funcionamiento de las colas, además de poder controlar sus elementos mediante distintos controles. </a:t>
             </a:r>
           </a:p>
         </p:txBody>
@@ -31830,6 +31828,36 @@
           </a:p>
         </p:txBody>
       </p:sp>
+      <p:pic>
+        <p:nvPicPr>
+          <p:cNvPr id="4" name="Imagen 3">
+            <a:extLst>
+              <a:ext uri="{FF2B5EF4-FFF2-40B4-BE49-F238E27FC236}">
+                <a16:creationId xmlns:a16="http://schemas.microsoft.com/office/drawing/2014/main" id="{FDF8B337-4F6A-9E8E-ECDF-65086DC7E619}"/>
+              </a:ext>
+            </a:extLst>
+          </p:cNvPr>
+          <p:cNvPicPr>
+            <a:picLocks noChangeAspect="1"/>
+          </p:cNvPicPr>
+          <p:nvPr/>
+        </p:nvPicPr>
+        <p:blipFill>
+          <a:blip r:embed="rId2"/>
+          <a:stretch>
+            <a:fillRect/>
+          </a:stretch>
+        </p:blipFill>
+        <p:spPr>
+          <a:xfrm>
+            <a:off x="846661" y="1198831"/>
+            <a:ext cx="7190302" cy="3105539"/>
+          </a:xfrm>
+          <a:prstGeom prst="rect">
+            <a:avLst/>
+          </a:prstGeom>
+        </p:spPr>
+      </p:pic>
     </p:spTree>
     <p:extLst>
       <p:ext uri="{BB962C8B-B14F-4D97-AF65-F5344CB8AC3E}">
@@ -31948,6 +31976,36 @@
           </a:p>
         </p:txBody>
       </p:sp>
+      <p:pic>
+        <p:nvPicPr>
+          <p:cNvPr id="4" name="Imagen 3">
+            <a:extLst>
+              <a:ext uri="{FF2B5EF4-FFF2-40B4-BE49-F238E27FC236}">
+                <a16:creationId xmlns:a16="http://schemas.microsoft.com/office/drawing/2014/main" id="{22D78070-F7C6-2CB1-377F-4B32E8236110}"/>
+              </a:ext>
+            </a:extLst>
+          </p:cNvPr>
+          <p:cNvPicPr>
+            <a:picLocks noChangeAspect="1"/>
+          </p:cNvPicPr>
+          <p:nvPr/>
+        </p:nvPicPr>
+        <p:blipFill>
+          <a:blip r:embed="rId2"/>
+          <a:stretch>
+            <a:fillRect/>
+          </a:stretch>
+        </p:blipFill>
+        <p:spPr>
+          <a:xfrm>
+            <a:off x="884215" y="1077198"/>
+            <a:ext cx="7107493" cy="3820011"/>
+          </a:xfrm>
+          <a:prstGeom prst="rect">
+            <a:avLst/>
+          </a:prstGeom>
+        </p:spPr>
+      </p:pic>
     </p:spTree>
     <p:extLst>
       <p:ext uri="{BB962C8B-B14F-4D97-AF65-F5344CB8AC3E}">
@@ -32006,6 +32064,36 @@
           </a:p>
         </p:txBody>
       </p:sp>
+      <p:pic>
+        <p:nvPicPr>
+          <p:cNvPr id="4" name="Imagen 3">
+            <a:extLst>
+              <a:ext uri="{FF2B5EF4-FFF2-40B4-BE49-F238E27FC236}">
+                <a16:creationId xmlns:a16="http://schemas.microsoft.com/office/drawing/2014/main" id="{B5C3412E-AA2F-64CF-7565-57311A00CF44}"/>
+              </a:ext>
+            </a:extLst>
+          </p:cNvPr>
+          <p:cNvPicPr>
+            <a:picLocks noChangeAspect="1"/>
+          </p:cNvPicPr>
+          <p:nvPr/>
+        </p:nvPicPr>
+        <p:blipFill>
+          <a:blip r:embed="rId2"/>
+          <a:stretch>
+            <a:fillRect/>
+          </a:stretch>
+        </p:blipFill>
+        <p:spPr>
+          <a:xfrm>
+            <a:off x="1179582" y="1219802"/>
+            <a:ext cx="6576630" cy="3254022"/>
+          </a:xfrm>
+          <a:prstGeom prst="rect">
+            <a:avLst/>
+          </a:prstGeom>
+        </p:spPr>
+      </p:pic>
     </p:spTree>
     <p:extLst>
       <p:ext uri="{BB962C8B-B14F-4D97-AF65-F5344CB8AC3E}">
@@ -32038,10 +32126,10 @@
       </p:grpSpPr>
       <p:sp>
         <p:nvSpPr>
-          <p:cNvPr id="3" name="Subtítulo 2">
+          <p:cNvPr id="2" name="Título 1">
             <a:extLst>
               <a:ext uri="{FF2B5EF4-FFF2-40B4-BE49-F238E27FC236}">
-                <a16:creationId xmlns:a16="http://schemas.microsoft.com/office/drawing/2014/main" id="{ED93DC25-1ED5-2EA3-15A1-435E508B3FCA}"/>
+                <a16:creationId xmlns:a16="http://schemas.microsoft.com/office/drawing/2014/main" id="{FCC17748-DAD7-4FC6-683E-DB7CB2A727BD}"/>
               </a:ext>
             </a:extLst>
           </p:cNvPr>
@@ -32049,27 +32137,55 @@
             <a:spLocks noGrp="1"/>
           </p:cNvSpPr>
           <p:nvPr>
-            <p:ph type="subTitle" idx="1"/>
+            <p:ph type="title"/>
           </p:nvPr>
         </p:nvSpPr>
-        <p:spPr>
-          <a:xfrm>
-            <a:off x="4823900" y="1501698"/>
-            <a:ext cx="3606900" cy="1650380"/>
-          </a:xfrm>
-        </p:spPr>
+        <p:spPr/>
         <p:txBody>
           <a:bodyPr/>
           <a:lstStyle/>
           <a:p>
-            <a:endParaRPr lang="es-PE" dirty="0"/>
+            <a:r>
+              <a:rPr lang="es-PE" dirty="0"/>
+              <a:t>Código del programa</a:t>
+            </a:r>
           </a:p>
         </p:txBody>
       </p:sp>
+      <p:pic>
+        <p:nvPicPr>
+          <p:cNvPr id="4" name="Imagen 3">
+            <a:extLst>
+              <a:ext uri="{FF2B5EF4-FFF2-40B4-BE49-F238E27FC236}">
+                <a16:creationId xmlns:a16="http://schemas.microsoft.com/office/drawing/2014/main" id="{E82F6FDE-37AA-9066-4284-A39DB011D60F}"/>
+              </a:ext>
+            </a:extLst>
+          </p:cNvPr>
+          <p:cNvPicPr>
+            <a:picLocks noChangeAspect="1"/>
+          </p:cNvPicPr>
+          <p:nvPr/>
+        </p:nvPicPr>
+        <p:blipFill>
+          <a:blip r:embed="rId2"/>
+          <a:stretch>
+            <a:fillRect/>
+          </a:stretch>
+        </p:blipFill>
+        <p:spPr>
+          <a:xfrm>
+            <a:off x="1188402" y="1017725"/>
+            <a:ext cx="6767146" cy="3795089"/>
+          </a:xfrm>
+          <a:prstGeom prst="rect">
+            <a:avLst/>
+          </a:prstGeom>
+        </p:spPr>
+      </p:pic>
     </p:spTree>
     <p:extLst>
       <p:ext uri="{BB962C8B-B14F-4D97-AF65-F5344CB8AC3E}">
-        <p14:creationId xmlns:p14="http://schemas.microsoft.com/office/powerpoint/2010/main" val="166314813"/>
+        <p14:creationId xmlns:p14="http://schemas.microsoft.com/office/powerpoint/2010/main" val="2634784960"/>
       </p:ext>
     </p:extLst>
   </p:cSld>
@@ -32124,10 +32240,40 @@
           </a:p>
         </p:txBody>
       </p:sp>
+      <p:pic>
+        <p:nvPicPr>
+          <p:cNvPr id="4" name="Imagen 3">
+            <a:extLst>
+              <a:ext uri="{FF2B5EF4-FFF2-40B4-BE49-F238E27FC236}">
+                <a16:creationId xmlns:a16="http://schemas.microsoft.com/office/drawing/2014/main" id="{933BEE3A-4A04-8A46-D29F-93A46346CFA2}"/>
+              </a:ext>
+            </a:extLst>
+          </p:cNvPr>
+          <p:cNvPicPr>
+            <a:picLocks noChangeAspect="1"/>
+          </p:cNvPicPr>
+          <p:nvPr/>
+        </p:nvPicPr>
+        <p:blipFill>
+          <a:blip r:embed="rId2"/>
+          <a:stretch>
+            <a:fillRect/>
+          </a:stretch>
+        </p:blipFill>
+        <p:spPr>
+          <a:xfrm>
+            <a:off x="207640" y="1628554"/>
+            <a:ext cx="8564653" cy="1886392"/>
+          </a:xfrm>
+          <a:prstGeom prst="rect">
+            <a:avLst/>
+          </a:prstGeom>
+        </p:spPr>
+      </p:pic>
     </p:spTree>
     <p:extLst>
       <p:ext uri="{BB962C8B-B14F-4D97-AF65-F5344CB8AC3E}">
-        <p14:creationId xmlns:p14="http://schemas.microsoft.com/office/powerpoint/2010/main" val="2634784960"/>
+        <p14:creationId xmlns:p14="http://schemas.microsoft.com/office/powerpoint/2010/main" val="1583449375"/>
       </p:ext>
     </p:extLst>
   </p:cSld>
@@ -32138,6 +32284,157 @@
 </file>
 
 <file path=ppt/slides/slide44.xml><?xml version="1.0" encoding="utf-8"?>
+<p:sld xmlns:a="http://schemas.openxmlformats.org/drawingml/2006/main" xmlns:r="http://schemas.openxmlformats.org/officeDocument/2006/relationships" xmlns:p="http://schemas.openxmlformats.org/presentationml/2006/main">
+  <p:cSld>
+    <p:spTree>
+      <p:nvGrpSpPr>
+        <p:cNvPr id="1" name=""/>
+        <p:cNvGrpSpPr/>
+        <p:nvPr/>
+      </p:nvGrpSpPr>
+      <p:grpSpPr>
+        <a:xfrm>
+          <a:off x="0" y="0"/>
+          <a:ext cx="0" cy="0"/>
+          <a:chOff x="0" y="0"/>
+          <a:chExt cx="0" cy="0"/>
+        </a:xfrm>
+      </p:grpSpPr>
+      <p:sp>
+        <p:nvSpPr>
+          <p:cNvPr id="3" name="Subtítulo 2">
+            <a:extLst>
+              <a:ext uri="{FF2B5EF4-FFF2-40B4-BE49-F238E27FC236}">
+                <a16:creationId xmlns:a16="http://schemas.microsoft.com/office/drawing/2014/main" id="{ED93DC25-1ED5-2EA3-15A1-435E508B3FCA}"/>
+              </a:ext>
+            </a:extLst>
+          </p:cNvPr>
+          <p:cNvSpPr>
+            <a:spLocks noGrp="1"/>
+          </p:cNvSpPr>
+          <p:nvPr>
+            <p:ph type="subTitle" idx="1"/>
+          </p:nvPr>
+        </p:nvSpPr>
+        <p:spPr>
+          <a:xfrm>
+            <a:off x="3375102" y="3010830"/>
+            <a:ext cx="5501747" cy="1367882"/>
+          </a:xfrm>
+        </p:spPr>
+        <p:txBody>
+          <a:bodyPr/>
+          <a:lstStyle/>
+          <a:p>
+            <a:r>
+              <a:rPr lang="es-PE" dirty="0"/>
+              <a:t>Este programa nos ayudará a entender como funciona una bicola mediante el uso de controles</a:t>
+            </a:r>
+          </a:p>
+        </p:txBody>
+      </p:sp>
+      <p:pic>
+        <p:nvPicPr>
+          <p:cNvPr id="4" name="Imagen 3">
+            <a:extLst>
+              <a:ext uri="{FF2B5EF4-FFF2-40B4-BE49-F238E27FC236}">
+                <a16:creationId xmlns:a16="http://schemas.microsoft.com/office/drawing/2014/main" id="{28A30C34-A273-C93C-CDCF-4CF613350429}"/>
+              </a:ext>
+            </a:extLst>
+          </p:cNvPr>
+          <p:cNvPicPr>
+            <a:picLocks noChangeAspect="1"/>
+          </p:cNvPicPr>
+          <p:nvPr/>
+        </p:nvPicPr>
+        <p:blipFill>
+          <a:blip r:embed="rId2"/>
+          <a:stretch>
+            <a:fillRect/>
+          </a:stretch>
+        </p:blipFill>
+        <p:spPr>
+          <a:xfrm>
+            <a:off x="564917" y="433974"/>
+            <a:ext cx="6698723" cy="2576856"/>
+          </a:xfrm>
+          <a:prstGeom prst="rect">
+            <a:avLst/>
+          </a:prstGeom>
+        </p:spPr>
+      </p:pic>
+    </p:spTree>
+    <p:extLst>
+      <p:ext uri="{BB962C8B-B14F-4D97-AF65-F5344CB8AC3E}">
+        <p14:creationId xmlns:p14="http://schemas.microsoft.com/office/powerpoint/2010/main" val="166314813"/>
+      </p:ext>
+    </p:extLst>
+  </p:cSld>
+  <p:clrMapOvr>
+    <a:masterClrMapping/>
+  </p:clrMapOvr>
+</p:sld>
+</file>
+
+<file path=ppt/slides/slide45.xml><?xml version="1.0" encoding="utf-8"?>
+<p:sld xmlns:a="http://schemas.openxmlformats.org/drawingml/2006/main" xmlns:r="http://schemas.openxmlformats.org/officeDocument/2006/relationships" xmlns:p="http://schemas.openxmlformats.org/presentationml/2006/main">
+  <p:cSld>
+    <p:spTree>
+      <p:nvGrpSpPr>
+        <p:cNvPr id="1" name=""/>
+        <p:cNvGrpSpPr/>
+        <p:nvPr/>
+      </p:nvGrpSpPr>
+      <p:grpSpPr>
+        <a:xfrm>
+          <a:off x="0" y="0"/>
+          <a:ext cx="0" cy="0"/>
+          <a:chOff x="0" y="0"/>
+          <a:chExt cx="0" cy="0"/>
+        </a:xfrm>
+      </p:grpSpPr>
+      <p:sp>
+        <p:nvSpPr>
+          <p:cNvPr id="2" name="Título 1">
+            <a:extLst>
+              <a:ext uri="{FF2B5EF4-FFF2-40B4-BE49-F238E27FC236}">
+                <a16:creationId xmlns:a16="http://schemas.microsoft.com/office/drawing/2014/main" id="{FCC17748-DAD7-4FC6-683E-DB7CB2A727BD}"/>
+              </a:ext>
+            </a:extLst>
+          </p:cNvPr>
+          <p:cNvSpPr>
+            <a:spLocks noGrp="1"/>
+          </p:cNvSpPr>
+          <p:nvPr>
+            <p:ph type="title"/>
+          </p:nvPr>
+        </p:nvSpPr>
+        <p:spPr/>
+        <p:txBody>
+          <a:bodyPr/>
+          <a:lstStyle/>
+          <a:p>
+            <a:r>
+              <a:rPr lang="es-PE" dirty="0"/>
+              <a:t>Código del programa</a:t>
+            </a:r>
+          </a:p>
+        </p:txBody>
+      </p:sp>
+    </p:spTree>
+    <p:extLst>
+      <p:ext uri="{BB962C8B-B14F-4D97-AF65-F5344CB8AC3E}">
+        <p14:creationId xmlns:p14="http://schemas.microsoft.com/office/powerpoint/2010/main" val="4000522489"/>
+      </p:ext>
+    </p:extLst>
+  </p:cSld>
+  <p:clrMapOvr>
+    <a:masterClrMapping/>
+  </p:clrMapOvr>
+</p:sld>
+</file>
+
+<file path=ppt/slides/slide46.xml><?xml version="1.0" encoding="utf-8"?>
 <p:sld xmlns:a="http://schemas.openxmlformats.org/drawingml/2006/main" xmlns:r="http://schemas.openxmlformats.org/officeDocument/2006/relationships" xmlns:p="http://schemas.openxmlformats.org/presentationml/2006/main">
   <p:cSld>
     <p:spTree>
@@ -35961,7 +36258,7 @@
 </p:sld>
 </file>
 
-<file path=ppt/slides/slide45.xml><?xml version="1.0" encoding="utf-8"?>
+<file path=ppt/slides/slide47.xml><?xml version="1.0" encoding="utf-8"?>
 <p:sld xmlns:a="http://schemas.openxmlformats.org/drawingml/2006/main" xmlns:r="http://schemas.openxmlformats.org/officeDocument/2006/relationships" xmlns:p="http://schemas.openxmlformats.org/presentationml/2006/main">
   <p:cSld>
     <p:spTree>
@@ -36021,7 +36318,7 @@
 </p:sld>
 </file>
 
-<file path=ppt/slides/slide46.xml><?xml version="1.0" encoding="utf-8"?>
+<file path=ppt/slides/slide48.xml><?xml version="1.0" encoding="utf-8"?>
 <p:sld xmlns:a="http://schemas.openxmlformats.org/drawingml/2006/main" xmlns:r="http://schemas.openxmlformats.org/officeDocument/2006/relationships" xmlns:p="http://schemas.openxmlformats.org/presentationml/2006/main">
   <p:cSld>
     <p:spTree>
@@ -36070,124 +36367,6 @@
     <p:extLst>
       <p:ext uri="{BB962C8B-B14F-4D97-AF65-F5344CB8AC3E}">
         <p14:creationId xmlns:p14="http://schemas.microsoft.com/office/powerpoint/2010/main" val="769605280"/>
-      </p:ext>
-    </p:extLst>
-  </p:cSld>
-  <p:clrMapOvr>
-    <a:masterClrMapping/>
-  </p:clrMapOvr>
-</p:sld>
-</file>
-
-<file path=ppt/slides/slide47.xml><?xml version="1.0" encoding="utf-8"?>
-<p:sld xmlns:a="http://schemas.openxmlformats.org/drawingml/2006/main" xmlns:r="http://schemas.openxmlformats.org/officeDocument/2006/relationships" xmlns:p="http://schemas.openxmlformats.org/presentationml/2006/main">
-  <p:cSld>
-    <p:spTree>
-      <p:nvGrpSpPr>
-        <p:cNvPr id="1" name=""/>
-        <p:cNvGrpSpPr/>
-        <p:nvPr/>
-      </p:nvGrpSpPr>
-      <p:grpSpPr>
-        <a:xfrm>
-          <a:off x="0" y="0"/>
-          <a:ext cx="0" cy="0"/>
-          <a:chOff x="0" y="0"/>
-          <a:chExt cx="0" cy="0"/>
-        </a:xfrm>
-      </p:grpSpPr>
-      <p:sp>
-        <p:nvSpPr>
-          <p:cNvPr id="3" name="Subtítulo 2">
-            <a:extLst>
-              <a:ext uri="{FF2B5EF4-FFF2-40B4-BE49-F238E27FC236}">
-                <a16:creationId xmlns:a16="http://schemas.microsoft.com/office/drawing/2014/main" id="{ED93DC25-1ED5-2EA3-15A1-435E508B3FCA}"/>
-              </a:ext>
-            </a:extLst>
-          </p:cNvPr>
-          <p:cNvSpPr>
-            <a:spLocks noGrp="1"/>
-          </p:cNvSpPr>
-          <p:nvPr>
-            <p:ph type="subTitle" idx="1"/>
-          </p:nvPr>
-        </p:nvSpPr>
-        <p:spPr>
-          <a:xfrm>
-            <a:off x="4823900" y="1501698"/>
-            <a:ext cx="3606900" cy="1650380"/>
-          </a:xfrm>
-        </p:spPr>
-        <p:txBody>
-          <a:bodyPr/>
-          <a:lstStyle/>
-          <a:p>
-            <a:endParaRPr lang="es-PE" dirty="0"/>
-          </a:p>
-        </p:txBody>
-      </p:sp>
-    </p:spTree>
-    <p:extLst>
-      <p:ext uri="{BB962C8B-B14F-4D97-AF65-F5344CB8AC3E}">
-        <p14:creationId xmlns:p14="http://schemas.microsoft.com/office/powerpoint/2010/main" val="3447584449"/>
-      </p:ext>
-    </p:extLst>
-  </p:cSld>
-  <p:clrMapOvr>
-    <a:masterClrMapping/>
-  </p:clrMapOvr>
-</p:sld>
-</file>
-
-<file path=ppt/slides/slide48.xml><?xml version="1.0" encoding="utf-8"?>
-<p:sld xmlns:a="http://schemas.openxmlformats.org/drawingml/2006/main" xmlns:r="http://schemas.openxmlformats.org/officeDocument/2006/relationships" xmlns:p="http://schemas.openxmlformats.org/presentationml/2006/main">
-  <p:cSld>
-    <p:spTree>
-      <p:nvGrpSpPr>
-        <p:cNvPr id="1" name=""/>
-        <p:cNvGrpSpPr/>
-        <p:nvPr/>
-      </p:nvGrpSpPr>
-      <p:grpSpPr>
-        <a:xfrm>
-          <a:off x="0" y="0"/>
-          <a:ext cx="0" cy="0"/>
-          <a:chOff x="0" y="0"/>
-          <a:chExt cx="0" cy="0"/>
-        </a:xfrm>
-      </p:grpSpPr>
-      <p:sp>
-        <p:nvSpPr>
-          <p:cNvPr id="2" name="Título 1">
-            <a:extLst>
-              <a:ext uri="{FF2B5EF4-FFF2-40B4-BE49-F238E27FC236}">
-                <a16:creationId xmlns:a16="http://schemas.microsoft.com/office/drawing/2014/main" id="{FCC17748-DAD7-4FC6-683E-DB7CB2A727BD}"/>
-              </a:ext>
-            </a:extLst>
-          </p:cNvPr>
-          <p:cNvSpPr>
-            <a:spLocks noGrp="1"/>
-          </p:cNvSpPr>
-          <p:nvPr>
-            <p:ph type="title"/>
-          </p:nvPr>
-        </p:nvSpPr>
-        <p:spPr/>
-        <p:txBody>
-          <a:bodyPr/>
-          <a:lstStyle/>
-          <a:p>
-            <a:r>
-              <a:rPr lang="es-PE" dirty="0"/>
-              <a:t>Código del programa</a:t>
-            </a:r>
-          </a:p>
-        </p:txBody>
-      </p:sp>
-    </p:spTree>
-    <p:extLst>
-      <p:ext uri="{BB962C8B-B14F-4D97-AF65-F5344CB8AC3E}">
-        <p14:creationId xmlns:p14="http://schemas.microsoft.com/office/powerpoint/2010/main" val="3874013269"/>
       </p:ext>
     </p:extLst>
   </p:cSld>
@@ -36247,7 +36426,7 @@
     </p:spTree>
     <p:extLst>
       <p:ext uri="{BB962C8B-B14F-4D97-AF65-F5344CB8AC3E}">
-        <p14:creationId xmlns:p14="http://schemas.microsoft.com/office/powerpoint/2010/main" val="3443518625"/>
+        <p14:creationId xmlns:p14="http://schemas.microsoft.com/office/powerpoint/2010/main" val="3447584449"/>
       </p:ext>
     </p:extLst>
   </p:cSld>
@@ -36365,6 +36544,124 @@
     </p:spTree>
     <p:extLst>
       <p:ext uri="{BB962C8B-B14F-4D97-AF65-F5344CB8AC3E}">
+        <p14:creationId xmlns:p14="http://schemas.microsoft.com/office/powerpoint/2010/main" val="3874013269"/>
+      </p:ext>
+    </p:extLst>
+  </p:cSld>
+  <p:clrMapOvr>
+    <a:masterClrMapping/>
+  </p:clrMapOvr>
+</p:sld>
+</file>
+
+<file path=ppt/slides/slide51.xml><?xml version="1.0" encoding="utf-8"?>
+<p:sld xmlns:a="http://schemas.openxmlformats.org/drawingml/2006/main" xmlns:r="http://schemas.openxmlformats.org/officeDocument/2006/relationships" xmlns:p="http://schemas.openxmlformats.org/presentationml/2006/main">
+  <p:cSld>
+    <p:spTree>
+      <p:nvGrpSpPr>
+        <p:cNvPr id="1" name=""/>
+        <p:cNvGrpSpPr/>
+        <p:nvPr/>
+      </p:nvGrpSpPr>
+      <p:grpSpPr>
+        <a:xfrm>
+          <a:off x="0" y="0"/>
+          <a:ext cx="0" cy="0"/>
+          <a:chOff x="0" y="0"/>
+          <a:chExt cx="0" cy="0"/>
+        </a:xfrm>
+      </p:grpSpPr>
+      <p:sp>
+        <p:nvSpPr>
+          <p:cNvPr id="3" name="Subtítulo 2">
+            <a:extLst>
+              <a:ext uri="{FF2B5EF4-FFF2-40B4-BE49-F238E27FC236}">
+                <a16:creationId xmlns:a16="http://schemas.microsoft.com/office/drawing/2014/main" id="{ED93DC25-1ED5-2EA3-15A1-435E508B3FCA}"/>
+              </a:ext>
+            </a:extLst>
+          </p:cNvPr>
+          <p:cNvSpPr>
+            <a:spLocks noGrp="1"/>
+          </p:cNvSpPr>
+          <p:nvPr>
+            <p:ph type="subTitle" idx="1"/>
+          </p:nvPr>
+        </p:nvSpPr>
+        <p:spPr>
+          <a:xfrm>
+            <a:off x="4823900" y="1501698"/>
+            <a:ext cx="3606900" cy="1650380"/>
+          </a:xfrm>
+        </p:spPr>
+        <p:txBody>
+          <a:bodyPr/>
+          <a:lstStyle/>
+          <a:p>
+            <a:endParaRPr lang="es-PE" dirty="0"/>
+          </a:p>
+        </p:txBody>
+      </p:sp>
+    </p:spTree>
+    <p:extLst>
+      <p:ext uri="{BB962C8B-B14F-4D97-AF65-F5344CB8AC3E}">
+        <p14:creationId xmlns:p14="http://schemas.microsoft.com/office/powerpoint/2010/main" val="3443518625"/>
+      </p:ext>
+    </p:extLst>
+  </p:cSld>
+  <p:clrMapOvr>
+    <a:masterClrMapping/>
+  </p:clrMapOvr>
+</p:sld>
+</file>
+
+<file path=ppt/slides/slide52.xml><?xml version="1.0" encoding="utf-8"?>
+<p:sld xmlns:a="http://schemas.openxmlformats.org/drawingml/2006/main" xmlns:r="http://schemas.openxmlformats.org/officeDocument/2006/relationships" xmlns:p="http://schemas.openxmlformats.org/presentationml/2006/main">
+  <p:cSld>
+    <p:spTree>
+      <p:nvGrpSpPr>
+        <p:cNvPr id="1" name=""/>
+        <p:cNvGrpSpPr/>
+        <p:nvPr/>
+      </p:nvGrpSpPr>
+      <p:grpSpPr>
+        <a:xfrm>
+          <a:off x="0" y="0"/>
+          <a:ext cx="0" cy="0"/>
+          <a:chOff x="0" y="0"/>
+          <a:chExt cx="0" cy="0"/>
+        </a:xfrm>
+      </p:grpSpPr>
+      <p:sp>
+        <p:nvSpPr>
+          <p:cNvPr id="2" name="Título 1">
+            <a:extLst>
+              <a:ext uri="{FF2B5EF4-FFF2-40B4-BE49-F238E27FC236}">
+                <a16:creationId xmlns:a16="http://schemas.microsoft.com/office/drawing/2014/main" id="{FCC17748-DAD7-4FC6-683E-DB7CB2A727BD}"/>
+              </a:ext>
+            </a:extLst>
+          </p:cNvPr>
+          <p:cNvSpPr>
+            <a:spLocks noGrp="1"/>
+          </p:cNvSpPr>
+          <p:nvPr>
+            <p:ph type="title"/>
+          </p:nvPr>
+        </p:nvSpPr>
+        <p:spPr/>
+        <p:txBody>
+          <a:bodyPr/>
+          <a:lstStyle/>
+          <a:p>
+            <a:r>
+              <a:rPr lang="es-PE" dirty="0"/>
+              <a:t>Código del programa</a:t>
+            </a:r>
+          </a:p>
+        </p:txBody>
+      </p:sp>
+    </p:spTree>
+    <p:extLst>
+      <p:ext uri="{BB962C8B-B14F-4D97-AF65-F5344CB8AC3E}">
         <p14:creationId xmlns:p14="http://schemas.microsoft.com/office/powerpoint/2010/main" val="3988089337"/>
       </p:ext>
     </p:extLst>
@@ -36375,7 +36672,7 @@
 </p:sld>
 </file>
 
-<file path=ppt/slides/slide51.xml><?xml version="1.0" encoding="utf-8"?>
+<file path=ppt/slides/slide53.xml><?xml version="1.0" encoding="utf-8"?>
 <p:sld xmlns:a="http://schemas.openxmlformats.org/drawingml/2006/main" xmlns:r="http://schemas.openxmlformats.org/officeDocument/2006/relationships" xmlns:p="http://schemas.openxmlformats.org/presentationml/2006/main">
   <p:cSld>
     <p:spTree>
